--- a/Lectures/Tools for Data Manipulation _ Management (8).pptx
+++ b/Lectures/Tools for Data Manipulation _ Management (8).pptx
@@ -283,6 +283,11 @@
       </a:defRPr>
     </a:lvl9pPr>
   </p:defaultTextStyle>
+  <p:extLst>
+    <p:ext uri="{EFAFB233-063F-42B5-8137-9DF3F51BA10A}">
+      <p15:sldGuideLst xmlns:p15="http://schemas.microsoft.com/office/powerpoint/2012/main"/>
+    </p:ext>
+  </p:extLst>
 </p:presentation>
 </file>
 
@@ -1873,10 +1878,12 @@
               <a:buNone/>
             </a:pPr>
             <a:r>
-              <a:rPr lang="en-US"/>
-              <a:t>Relationship:   OLTP = Source for OLAP </a:t>
+              <a:rPr lang="en-US" dirty="0">
+                <a:hlinkClick r:id="rId3"/>
+              </a:rPr>
+              <a:t>NoSQL &amp; Hadoop Intro: https://datajobs.com/what-is-hadoop-and-nosql</a:t>
             </a:r>
-            <a:endParaRPr/>
+            <a:endParaRPr dirty="0"/>
           </a:p>
         </p:txBody>
       </p:sp>
@@ -1999,10 +2006,167 @@
               <a:buNone/>
             </a:pPr>
             <a:r>
-              <a:rPr lang="en-US"/>
-              <a:t>Relationship:   OLTP = Source for OLAP </a:t>
+              <a:rPr lang="en-US" sz="1200" b="0" i="0" u="none" strike="noStrike" cap="none" dirty="0">
+                <a:solidFill>
+                  <a:schemeClr val="dk1"/>
+                </a:solidFill>
+                <a:effectLst/>
+                <a:latin typeface="Calibri"/>
+                <a:ea typeface="Calibri"/>
+                <a:cs typeface="Calibri"/>
+                <a:sym typeface="Calibri"/>
+              </a:rPr>
+              <a:t>A </a:t>
             </a:r>
-            <a:endParaRPr/>
+            <a:r>
+              <a:rPr lang="en-US" sz="1200" b="1" i="0" u="none" strike="noStrike" cap="none" dirty="0">
+                <a:solidFill>
+                  <a:schemeClr val="dk1"/>
+                </a:solidFill>
+                <a:effectLst/>
+                <a:latin typeface="Calibri"/>
+                <a:ea typeface="Calibri"/>
+                <a:cs typeface="Calibri"/>
+                <a:sym typeface="Calibri"/>
+              </a:rPr>
+              <a:t>wide column store</a:t>
+            </a:r>
+            <a:r>
+              <a:rPr lang="en-US" sz="1200" b="0" i="0" u="none" strike="noStrike" cap="none" dirty="0">
+                <a:solidFill>
+                  <a:schemeClr val="dk1"/>
+                </a:solidFill>
+                <a:effectLst/>
+                <a:latin typeface="Calibri"/>
+                <a:ea typeface="Calibri"/>
+                <a:cs typeface="Calibri"/>
+                <a:sym typeface="Calibri"/>
+              </a:rPr>
+              <a:t> is a type of </a:t>
+            </a:r>
+            <a:r>
+              <a:rPr lang="en-US" sz="1200" b="0" i="0" u="none" strike="noStrike" cap="none" dirty="0">
+                <a:solidFill>
+                  <a:schemeClr val="dk1"/>
+                </a:solidFill>
+                <a:effectLst/>
+                <a:latin typeface="Calibri"/>
+                <a:ea typeface="Calibri"/>
+                <a:cs typeface="Calibri"/>
+                <a:sym typeface="Calibri"/>
+                <a:hlinkClick r:id="rId3" tooltip="NoSQL"/>
+              </a:rPr>
+              <a:t>NoSQL</a:t>
+            </a:r>
+            <a:r>
+              <a:rPr lang="en-US" sz="1200" b="0" i="0" u="none" strike="noStrike" cap="none" dirty="0">
+                <a:solidFill>
+                  <a:schemeClr val="dk1"/>
+                </a:solidFill>
+                <a:effectLst/>
+                <a:latin typeface="Calibri"/>
+                <a:ea typeface="Calibri"/>
+                <a:cs typeface="Calibri"/>
+                <a:sym typeface="Calibri"/>
+              </a:rPr>
+              <a:t> </a:t>
+            </a:r>
+            <a:r>
+              <a:rPr lang="en-US" sz="1200" b="0" i="0" u="none" strike="noStrike" cap="none" dirty="0">
+                <a:solidFill>
+                  <a:schemeClr val="dk1"/>
+                </a:solidFill>
+                <a:effectLst/>
+                <a:latin typeface="Calibri"/>
+                <a:ea typeface="Calibri"/>
+                <a:cs typeface="Calibri"/>
+                <a:sym typeface="Calibri"/>
+                <a:hlinkClick r:id="rId4" tooltip="Database"/>
+              </a:rPr>
+              <a:t>database</a:t>
+            </a:r>
+            <a:r>
+              <a:rPr lang="en-US" sz="1200" b="0" i="0" u="none" strike="noStrike" cap="none" dirty="0">
+                <a:solidFill>
+                  <a:schemeClr val="dk1"/>
+                </a:solidFill>
+                <a:effectLst/>
+                <a:latin typeface="Calibri"/>
+                <a:ea typeface="Calibri"/>
+                <a:cs typeface="Calibri"/>
+                <a:sym typeface="Calibri"/>
+              </a:rPr>
+              <a:t>. It uses tables, rows, and columns, but unlike a </a:t>
+            </a:r>
+            <a:r>
+              <a:rPr lang="en-US" sz="1200" b="0" i="0" u="none" strike="noStrike" cap="none" dirty="0">
+                <a:solidFill>
+                  <a:schemeClr val="dk1"/>
+                </a:solidFill>
+                <a:effectLst/>
+                <a:latin typeface="Calibri"/>
+                <a:ea typeface="Calibri"/>
+                <a:cs typeface="Calibri"/>
+                <a:sym typeface="Calibri"/>
+                <a:hlinkClick r:id="rId5" tooltip="Relational database"/>
+              </a:rPr>
+              <a:t>relational database</a:t>
+            </a:r>
+            <a:r>
+              <a:rPr lang="en-US" sz="1200" b="0" i="0" u="none" strike="noStrike" cap="none" dirty="0">
+                <a:solidFill>
+                  <a:schemeClr val="dk1"/>
+                </a:solidFill>
+                <a:effectLst/>
+                <a:latin typeface="Calibri"/>
+                <a:ea typeface="Calibri"/>
+                <a:cs typeface="Calibri"/>
+                <a:sym typeface="Calibri"/>
+              </a:rPr>
+              <a:t>, the names and format of the columns can vary from row to row in the same table. A wide column store can be interpreted as a two-dimensional </a:t>
+            </a:r>
+            <a:r>
+              <a:rPr lang="en-US" sz="1200" b="0" i="0" u="none" strike="noStrike" cap="none" dirty="0">
+                <a:solidFill>
+                  <a:schemeClr val="dk1"/>
+                </a:solidFill>
+                <a:effectLst/>
+                <a:latin typeface="Calibri"/>
+                <a:ea typeface="Calibri"/>
+                <a:cs typeface="Calibri"/>
+                <a:sym typeface="Calibri"/>
+                <a:hlinkClick r:id="rId6" tooltip="Key-value store"/>
+              </a:rPr>
+              <a:t>key-value store</a:t>
+            </a:r>
+            <a:r>
+              <a:rPr lang="en-US" sz="1200" b="0" i="0" u="none" strike="noStrike" cap="none" dirty="0">
+                <a:solidFill>
+                  <a:schemeClr val="dk1"/>
+                </a:solidFill>
+                <a:effectLst/>
+                <a:latin typeface="Calibri"/>
+                <a:ea typeface="Calibri"/>
+                <a:cs typeface="Calibri"/>
+                <a:sym typeface="Calibri"/>
+              </a:rPr>
+              <a:t>.</a:t>
+            </a:r>
+            <a:r>
+              <a:rPr lang="en-US" sz="1200" b="0" i="0" u="none" strike="noStrike" cap="none" baseline="30000" dirty="0">
+                <a:solidFill>
+                  <a:schemeClr val="dk1"/>
+                </a:solidFill>
+                <a:effectLst/>
+                <a:latin typeface="Calibri"/>
+                <a:ea typeface="Calibri"/>
+                <a:cs typeface="Calibri"/>
+                <a:sym typeface="Calibri"/>
+                <a:hlinkClick r:id="rId7"/>
+              </a:rPr>
+              <a:t>[1]</a:t>
+            </a:r>
+            <a:endParaRPr dirty="0"/>
           </a:p>
         </p:txBody>
       </p:sp>
@@ -23303,7 +23467,7 @@
               <a:buNone/>
             </a:pPr>
             <a:r>
-              <a:rPr lang="en-US" sz="1900">
+              <a:rPr lang="en-US" sz="1900" dirty="0">
                 <a:latin typeface="Lato"/>
                 <a:ea typeface="Lato"/>
                 <a:cs typeface="Lato"/>
@@ -23312,7 +23476,7 @@
               <a:t>Dataiku DSS “Bring data analysts, engineers, and scientists together”, “Enables self-service analytics” and “operationalizes machine learning”</a:t>
             </a:r>
             <a:r>
-              <a:rPr lang="en-US" sz="1600">
+              <a:rPr lang="en-US" sz="1600" dirty="0">
                 <a:latin typeface="Lato"/>
                 <a:ea typeface="Lato"/>
                 <a:cs typeface="Lato"/>
@@ -23321,7 +23485,7 @@
               <a:t> </a:t>
             </a:r>
             <a:r>
-              <a:rPr lang="en-US" sz="1600">
+              <a:rPr lang="en-US" sz="1600" dirty="0" err="1">
                 <a:solidFill>
                   <a:srgbClr val="FFFFFF"/>
                 </a:solidFill>
@@ -23329,14 +23493,14 @@
               <a:t>ts</a:t>
             </a:r>
             <a:r>
-              <a:rPr lang="en-US" sz="2000">
+              <a:rPr lang="en-US" sz="2000" dirty="0">
                 <a:solidFill>
                   <a:srgbClr val="FFFFFF"/>
                 </a:solidFill>
               </a:rPr>
               <a:t> today and build for tomorrow.</a:t>
             </a:r>
-            <a:endParaRPr sz="2000">
+            <a:endParaRPr sz="2000" dirty="0">
               <a:solidFill>
                 <a:srgbClr val="FFFFFF"/>
               </a:solidFill>
@@ -23382,7 +23546,7 @@
               <a:buNone/>
             </a:pPr>
             <a:r>
-              <a:rPr lang="en-US" sz="1900">
+              <a:rPr lang="en-US" sz="1900" dirty="0">
                 <a:solidFill>
                   <a:srgbClr val="434343"/>
                 </a:solidFill>
@@ -23393,7 +23557,7 @@
               </a:rPr>
               <a:t>Steps to Engineering a Dataiku Workflow: </a:t>
             </a:r>
-            <a:endParaRPr sz="1900">
+            <a:endParaRPr sz="1900" dirty="0">
               <a:solidFill>
                 <a:srgbClr val="434343"/>
               </a:solidFill>
@@ -23422,7 +23586,7 @@
               <a:buAutoNum type="arabicPeriod"/>
             </a:pPr>
             <a:r>
-              <a:rPr lang="en-US" sz="1900">
+              <a:rPr lang="en-US" sz="1900" dirty="0">
                 <a:solidFill>
                   <a:srgbClr val="434343"/>
                 </a:solidFill>
@@ -23433,7 +23597,7 @@
               </a:rPr>
               <a:t>Create a new project</a:t>
             </a:r>
-            <a:endParaRPr sz="1900">
+            <a:endParaRPr sz="1900" dirty="0">
               <a:solidFill>
                 <a:srgbClr val="434343"/>
               </a:solidFill>
@@ -23462,7 +23626,7 @@
               <a:buAutoNum type="arabicPeriod"/>
             </a:pPr>
             <a:r>
-              <a:rPr lang="en-US" sz="1900">
+              <a:rPr lang="en-US" sz="1900" dirty="0">
                 <a:solidFill>
                   <a:srgbClr val="434343"/>
                 </a:solidFill>
@@ -23473,7 +23637,7 @@
               </a:rPr>
               <a:t>Connect to and/or Import Dataset(s)</a:t>
             </a:r>
-            <a:endParaRPr sz="1900">
+            <a:endParaRPr sz="1900" dirty="0">
               <a:solidFill>
                 <a:srgbClr val="434343"/>
               </a:solidFill>
@@ -23502,7 +23666,7 @@
               <a:buAutoNum type="arabicPeriod"/>
             </a:pPr>
             <a:r>
-              <a:rPr lang="en-US" sz="1900">
+              <a:rPr lang="en-US" sz="1900" dirty="0">
                 <a:solidFill>
                   <a:srgbClr val="434343"/>
                 </a:solidFill>
@@ -23513,7 +23677,7 @@
               </a:rPr>
               <a:t>Visual Prep - Data “Recipes”</a:t>
             </a:r>
-            <a:endParaRPr sz="1900">
+            <a:endParaRPr sz="1900" dirty="0">
               <a:solidFill>
                 <a:srgbClr val="434343"/>
               </a:solidFill>
@@ -23542,7 +23706,7 @@
               <a:buAutoNum type="arabicPeriod"/>
             </a:pPr>
             <a:r>
-              <a:rPr lang="en-US" sz="1900">
+              <a:rPr lang="en-US" sz="1900" dirty="0">
                 <a:solidFill>
                   <a:srgbClr val="434343"/>
                 </a:solidFill>
@@ -23553,7 +23717,7 @@
               </a:rPr>
               <a:t>Code Transformation(s) - Python</a:t>
             </a:r>
-            <a:endParaRPr sz="1900">
+            <a:endParaRPr sz="1900" dirty="0">
               <a:solidFill>
                 <a:srgbClr val="434343"/>
               </a:solidFill>
@@ -23582,7 +23746,7 @@
               <a:buAutoNum type="arabicPeriod"/>
             </a:pPr>
             <a:r>
-              <a:rPr lang="en-US" sz="1900">
+              <a:rPr lang="en-US" sz="1900" dirty="0">
                 <a:solidFill>
                   <a:srgbClr val="434343"/>
                 </a:solidFill>
@@ -23593,7 +23757,7 @@
               </a:rPr>
               <a:t>Visual Analysis, Data Prep &amp; ML (The Lab)</a:t>
             </a:r>
-            <a:endParaRPr sz="1900">
+            <a:endParaRPr sz="1900" dirty="0">
               <a:solidFill>
                 <a:srgbClr val="434343"/>
               </a:solidFill>
@@ -23622,7 +23786,7 @@
               <a:buAutoNum type="arabicPeriod"/>
             </a:pPr>
             <a:r>
-              <a:rPr lang="en-US" sz="1900">
+              <a:rPr lang="en-US" sz="1900" dirty="0">
                 <a:solidFill>
                   <a:srgbClr val="434343"/>
                 </a:solidFill>
@@ -23633,7 +23797,7 @@
               </a:rPr>
               <a:t>Data Product Development</a:t>
             </a:r>
-            <a:endParaRPr sz="1900">
+            <a:endParaRPr sz="1900" dirty="0">
               <a:solidFill>
                 <a:srgbClr val="434343"/>
               </a:solidFill>
@@ -23662,7 +23826,7 @@
               <a:buAutoNum type="alphaLcPeriod"/>
             </a:pPr>
             <a:r>
-              <a:rPr lang="en-US" sz="1900">
+              <a:rPr lang="en-US" sz="1900" dirty="0">
                 <a:solidFill>
                   <a:srgbClr val="434343"/>
                 </a:solidFill>
@@ -23671,9 +23835,21 @@
                 <a:cs typeface="Lato"/>
                 <a:sym typeface="Lato"/>
               </a:rPr>
-              <a:t>Reports, Dashboards, Insights, WebApps</a:t>
+              <a:t>Reports, Dashboards, Insights, </a:t>
             </a:r>
-            <a:endParaRPr sz="1900">
+            <a:r>
+              <a:rPr lang="en-US" sz="1900" dirty="0" err="1">
+                <a:solidFill>
+                  <a:srgbClr val="434343"/>
+                </a:solidFill>
+                <a:latin typeface="Lato"/>
+                <a:ea typeface="Lato"/>
+                <a:cs typeface="Lato"/>
+                <a:sym typeface="Lato"/>
+              </a:rPr>
+              <a:t>WebApps</a:t>
+            </a:r>
+            <a:endParaRPr sz="1900" dirty="0">
               <a:solidFill>
                 <a:srgbClr val="434343"/>
               </a:solidFill>
@@ -23702,7 +23878,7 @@
               <a:buAutoNum type="arabicPeriod"/>
             </a:pPr>
             <a:r>
-              <a:rPr lang="en-US" sz="1900">
+              <a:rPr lang="en-US" sz="1900" dirty="0">
                 <a:solidFill>
                   <a:srgbClr val="434343"/>
                 </a:solidFill>
@@ -23713,7 +23889,7 @@
               </a:rPr>
               <a:t>Job, Workflow &amp; Scenario Scheduling</a:t>
             </a:r>
-            <a:endParaRPr sz="1900">
+            <a:endParaRPr sz="1900" dirty="0">
               <a:solidFill>
                 <a:srgbClr val="434343"/>
               </a:solidFill>
@@ -23742,7 +23918,7 @@
               <a:buAutoNum type="arabicPeriod"/>
             </a:pPr>
             <a:r>
-              <a:rPr lang="en-US" sz="1900">
+              <a:rPr lang="en-US" sz="1900" dirty="0">
                 <a:solidFill>
                   <a:srgbClr val="434343"/>
                 </a:solidFill>
@@ -23753,7 +23929,7 @@
               </a:rPr>
               <a:t>Workflow Monitoring &amp; Maintenance</a:t>
             </a:r>
-            <a:endParaRPr sz="1900">
+            <a:endParaRPr sz="1900" dirty="0">
               <a:solidFill>
                 <a:srgbClr val="434343"/>
               </a:solidFill>
@@ -23782,7 +23958,7 @@
               <a:buAutoNum type="arabicPeriod"/>
             </a:pPr>
             <a:r>
-              <a:rPr lang="en-US" sz="1900">
+              <a:rPr lang="en-US" sz="1900" dirty="0">
                 <a:solidFill>
                   <a:srgbClr val="434343"/>
                 </a:solidFill>
@@ -23791,9 +23967,33 @@
                 <a:cs typeface="Lato"/>
                 <a:sym typeface="Lato"/>
               </a:rPr>
-              <a:t>Documentation - Wiki &amp; Juypter Notebooks</a:t>
+              <a:t>Documentation - Wiki &amp; </a:t>
             </a:r>
-            <a:endParaRPr sz="1900">
+            <a:r>
+              <a:rPr lang="en-US" sz="1900" dirty="0" err="1">
+                <a:solidFill>
+                  <a:srgbClr val="434343"/>
+                </a:solidFill>
+                <a:latin typeface="Lato"/>
+                <a:ea typeface="Lato"/>
+                <a:cs typeface="Lato"/>
+                <a:sym typeface="Lato"/>
+              </a:rPr>
+              <a:t>Juypter</a:t>
+            </a:r>
+            <a:r>
+              <a:rPr lang="en-US" sz="1900" dirty="0">
+                <a:solidFill>
+                  <a:srgbClr val="434343"/>
+                </a:solidFill>
+                <a:latin typeface="Lato"/>
+                <a:ea typeface="Lato"/>
+                <a:cs typeface="Lato"/>
+                <a:sym typeface="Lato"/>
+              </a:rPr>
+              <a:t> Notebooks</a:t>
+            </a:r>
+            <a:endParaRPr sz="1900" dirty="0">
               <a:solidFill>
                 <a:srgbClr val="434343"/>
               </a:solidFill>
@@ -23816,7 +24016,7 @@
               </a:spcAft>
               <a:buNone/>
             </a:pPr>
-            <a:endParaRPr sz="1900">
+            <a:endParaRPr sz="1900" dirty="0">
               <a:solidFill>
                 <a:srgbClr val="434343"/>
               </a:solidFill>
@@ -23839,7 +24039,7 @@
               </a:spcAft>
               <a:buNone/>
             </a:pPr>
-            <a:endParaRPr sz="1900">
+            <a:endParaRPr sz="1900" dirty="0">
               <a:solidFill>
                 <a:srgbClr val="434343"/>
               </a:solidFill>
@@ -23862,7 +24062,7 @@
               </a:spcAft>
               <a:buNone/>
             </a:pPr>
-            <a:endParaRPr sz="1900">
+            <a:endParaRPr sz="1900" dirty="0">
               <a:solidFill>
                 <a:srgbClr val="434343"/>
               </a:solidFill>
@@ -23885,7 +24085,7 @@
               </a:spcAft>
               <a:buNone/>
             </a:pPr>
-            <a:endParaRPr sz="1900">
+            <a:endParaRPr sz="1900" dirty="0">
               <a:solidFill>
                 <a:srgbClr val="434343"/>
               </a:solidFill>
@@ -23909,7 +24109,7 @@
               <a:buNone/>
             </a:pPr>
             <a:r>
-              <a:rPr lang="en-US" sz="1900">
+              <a:rPr lang="en-US" sz="1900" dirty="0">
                 <a:solidFill>
                   <a:srgbClr val="434343"/>
                 </a:solidFill>
@@ -23920,7 +24120,7 @@
               </a:rPr>
               <a:t> </a:t>
             </a:r>
-            <a:endParaRPr sz="1900"/>
+            <a:endParaRPr sz="1900" dirty="0"/>
           </a:p>
         </p:txBody>
       </p:sp>
@@ -24003,10 +24203,10 @@
               <a:buNone/>
             </a:pPr>
             <a:r>
-              <a:rPr lang="en-US" sz="3000"/>
+              <a:rPr lang="en-US" sz="3000" dirty="0"/>
               <a:t>What is NoSQL?</a:t>
             </a:r>
-            <a:endParaRPr sz="3000"/>
+            <a:endParaRPr sz="3000" dirty="0"/>
           </a:p>
         </p:txBody>
       </p:sp>
@@ -24048,15 +24248,29 @@
               <a:buNone/>
             </a:pPr>
             <a:r>
-              <a:rPr lang="en-US" sz="1800">
+              <a:rPr lang="en-US" sz="1800" dirty="0">
                 <a:latin typeface="Lato"/>
                 <a:ea typeface="Lato"/>
                 <a:cs typeface="Lato"/>
                 <a:sym typeface="Lato"/>
               </a:rPr>
-              <a:t> NoSQL is a way of saying “non-relational” or an alternative to more traditional relational databases. These database systems are not built on tables and do not need SQL language to be used to manipulate data. NoSQL databases can also handle semi-structured and unstructured data, which is essential in Data Science.</a:t>
+              <a:t> NoSQL is a way of saying “non-relational” or an alternative to traditional relational databases. These database systems are not built on tables and do not need SQL language to be used to manipulate data. </a:t>
             </a:r>
-            <a:endParaRPr sz="1800">
+          </a:p>
+          <a:p>
+            <a:pPr marL="457200" marR="0" lvl="0" indent="0" algn="l" rtl="0">
+              <a:lnSpc>
+                <a:spcPct val="100000"/>
+              </a:lnSpc>
+              <a:spcBef>
+                <a:spcPts val="0"/>
+              </a:spcBef>
+              <a:spcAft>
+                <a:spcPts val="0"/>
+              </a:spcAft>
+              <a:buNone/>
+            </a:pPr>
+            <a:endParaRPr lang="en-US" sz="1800" dirty="0">
               <a:latin typeface="Lato"/>
               <a:ea typeface="Lato"/>
               <a:cs typeface="Lato"/>
@@ -24076,7 +24290,16 @@
               </a:spcAft>
               <a:buNone/>
             </a:pPr>
-            <a:endParaRPr sz="1800">
+            <a:r>
+              <a:rPr lang="en-US" sz="1800" dirty="0">
+                <a:latin typeface="Lato"/>
+                <a:ea typeface="Lato"/>
+                <a:cs typeface="Lato"/>
+                <a:sym typeface="Lato"/>
+              </a:rPr>
+              <a:t>NoSQL databases can handle semi-structured and unstructured data, which is essential in Data Science.</a:t>
+            </a:r>
+            <a:endParaRPr sz="1800" dirty="0">
               <a:latin typeface="Lato"/>
               <a:ea typeface="Lato"/>
               <a:cs typeface="Lato"/>
@@ -24096,7 +24319,7 @@
               </a:spcAft>
               <a:buNone/>
             </a:pPr>
-            <a:endParaRPr sz="1800">
+            <a:endParaRPr sz="1800" dirty="0">
               <a:latin typeface="Lato"/>
               <a:ea typeface="Lato"/>
               <a:cs typeface="Lato"/>
@@ -24116,7 +24339,7 @@
               </a:spcAft>
               <a:buNone/>
             </a:pPr>
-            <a:endParaRPr sz="1800">
+            <a:endParaRPr sz="1800" dirty="0">
               <a:latin typeface="Lato"/>
               <a:ea typeface="Lato"/>
               <a:cs typeface="Lato"/>
@@ -24136,7 +24359,27 @@
               </a:spcAft>
               <a:buNone/>
             </a:pPr>
-            <a:endParaRPr sz="1800">
+            <a:endParaRPr sz="1800" dirty="0">
+              <a:latin typeface="Lato"/>
+              <a:ea typeface="Lato"/>
+              <a:cs typeface="Lato"/>
+              <a:sym typeface="Lato"/>
+            </a:endParaRPr>
+          </a:p>
+          <a:p>
+            <a:pPr marL="457200" marR="0" lvl="0" indent="0" algn="l" rtl="0">
+              <a:lnSpc>
+                <a:spcPct val="100000"/>
+              </a:lnSpc>
+              <a:spcBef>
+                <a:spcPts val="0"/>
+              </a:spcBef>
+              <a:spcAft>
+                <a:spcPts val="0"/>
+              </a:spcAft>
+              <a:buNone/>
+            </a:pPr>
+            <a:endParaRPr sz="1800" dirty="0">
               <a:latin typeface="Lato"/>
               <a:ea typeface="Lato"/>
               <a:cs typeface="Lato"/>
@@ -24153,8 +24396,8 @@
         </p:nvSpPr>
         <p:spPr>
           <a:xfrm>
-            <a:off x="234200" y="2763825"/>
-            <a:ext cx="4152300" cy="3502500"/>
+            <a:off x="1108846" y="2851288"/>
+            <a:ext cx="4242384" cy="3502500"/>
           </a:xfrm>
           <a:prstGeom prst="rect">
             <a:avLst/>
@@ -24180,7 +24423,7 @@
               <a:buNone/>
             </a:pPr>
             <a:r>
-              <a:rPr lang="en-US" sz="1800" b="1">
+              <a:rPr lang="en-US" sz="1800" b="1" dirty="0">
                 <a:latin typeface="Lato"/>
                 <a:ea typeface="Lato"/>
                 <a:cs typeface="Lato"/>
@@ -24188,7 +24431,7 @@
               </a:rPr>
               <a:t>What are Some Examples </a:t>
             </a:r>
-            <a:endParaRPr sz="1800" b="1">
+            <a:endParaRPr sz="1800" b="1" dirty="0">
               <a:latin typeface="Lato"/>
               <a:ea typeface="Lato"/>
               <a:cs typeface="Lato"/>
@@ -24206,7 +24449,7 @@
               <a:buNone/>
             </a:pPr>
             <a:r>
-              <a:rPr lang="en-US" sz="1800" b="1">
+              <a:rPr lang="en-US" sz="1800" b="1" dirty="0">
                 <a:latin typeface="Lato"/>
                 <a:ea typeface="Lato"/>
                 <a:cs typeface="Lato"/>
@@ -24214,7 +24457,18 @@
               </a:rPr>
               <a:t>of NoSQL Databases?</a:t>
             </a:r>
-            <a:endParaRPr sz="1800" b="1">
+          </a:p>
+          <a:p>
+            <a:pPr marL="0" lvl="0" indent="0" algn="ctr" rtl="0">
+              <a:spcBef>
+                <a:spcPts val="0"/>
+              </a:spcBef>
+              <a:spcAft>
+                <a:spcPts val="0"/>
+              </a:spcAft>
+              <a:buNone/>
+            </a:pPr>
+            <a:endParaRPr sz="1800" dirty="0">
               <a:latin typeface="Lato"/>
               <a:ea typeface="Lato"/>
               <a:cs typeface="Lato"/>
@@ -24222,23 +24476,6 @@
             </a:endParaRPr>
           </a:p>
           <a:p>
-            <a:pPr marL="0" lvl="0" indent="0" algn="l" rtl="0">
-              <a:spcBef>
-                <a:spcPts val="0"/>
-              </a:spcBef>
-              <a:spcAft>
-                <a:spcPts val="0"/>
-              </a:spcAft>
-              <a:buNone/>
-            </a:pPr>
-            <a:endParaRPr sz="1800">
-              <a:latin typeface="Lato"/>
-              <a:ea typeface="Lato"/>
-              <a:cs typeface="Lato"/>
-              <a:sym typeface="Lato"/>
-            </a:endParaRPr>
-          </a:p>
-          <a:p>
             <a:pPr marL="457200" lvl="0" indent="-342900" algn="l" rtl="0">
               <a:lnSpc>
                 <a:spcPct val="115000"/>
@@ -24254,7 +24491,7 @@
               <a:buChar char="●"/>
             </a:pPr>
             <a:r>
-              <a:rPr lang="en-US" sz="1800">
+              <a:rPr lang="en-US" sz="1800" dirty="0">
                 <a:latin typeface="Lato"/>
                 <a:ea typeface="Lato"/>
                 <a:cs typeface="Lato"/>
@@ -24262,7 +24499,7 @@
               </a:rPr>
               <a:t>MongoDB - Open Source</a:t>
             </a:r>
-            <a:endParaRPr sz="1800">
+            <a:endParaRPr sz="1800" dirty="0">
               <a:latin typeface="Lato"/>
               <a:ea typeface="Lato"/>
               <a:cs typeface="Lato"/>
@@ -24285,7 +24522,7 @@
               <a:buChar char="●"/>
             </a:pPr>
             <a:r>
-              <a:rPr lang="en-US" sz="1800">
+              <a:rPr lang="en-US" sz="1800" dirty="0">
                 <a:latin typeface="Lato"/>
                 <a:ea typeface="Lato"/>
                 <a:cs typeface="Lato"/>
@@ -24293,12 +24530,6 @@
               </a:rPr>
               <a:t>Apache Cassandra - Open Source</a:t>
             </a:r>
-            <a:endParaRPr sz="1800">
-              <a:latin typeface="Lato"/>
-              <a:ea typeface="Lato"/>
-              <a:cs typeface="Lato"/>
-              <a:sym typeface="Lato"/>
-            </a:endParaRPr>
           </a:p>
           <a:p>
             <a:pPr marL="457200" lvl="0" indent="-342900" algn="l" rtl="0">
@@ -24316,7 +24547,7 @@
               <a:buChar char="●"/>
             </a:pPr>
             <a:r>
-              <a:rPr lang="en-US" sz="1800">
+              <a:rPr lang="en-US" sz="1800" dirty="0">
                 <a:latin typeface="Lato"/>
                 <a:ea typeface="Lato"/>
                 <a:cs typeface="Lato"/>
@@ -24324,7 +24555,7 @@
               </a:rPr>
               <a:t>Couchbase - Open Source</a:t>
             </a:r>
-            <a:endParaRPr sz="1800">
+            <a:endParaRPr sz="1800" dirty="0">
               <a:latin typeface="Lato"/>
               <a:ea typeface="Lato"/>
               <a:cs typeface="Lato"/>
@@ -24347,7 +24578,7 @@
               <a:buChar char="●"/>
             </a:pPr>
             <a:r>
-              <a:rPr lang="en-US" sz="1800">
+              <a:rPr lang="en-US" sz="1800" dirty="0">
                 <a:latin typeface="Lato"/>
                 <a:ea typeface="Lato"/>
                 <a:cs typeface="Lato"/>
@@ -24355,7 +24586,7 @@
               </a:rPr>
               <a:t>MS Azure Cosmos DB</a:t>
             </a:r>
-            <a:endParaRPr sz="1800">
+            <a:endParaRPr sz="1800" dirty="0">
               <a:latin typeface="Lato"/>
               <a:ea typeface="Lato"/>
               <a:cs typeface="Lato"/>
@@ -24378,7 +24609,7 @@
               <a:buChar char="●"/>
             </a:pPr>
             <a:r>
-              <a:rPr lang="en-US" sz="1800">
+              <a:rPr lang="en-US" sz="1800" dirty="0">
                 <a:latin typeface="Lato"/>
                 <a:ea typeface="Lato"/>
                 <a:cs typeface="Lato"/>
@@ -24386,7 +24617,7 @@
               </a:rPr>
               <a:t>Amazon DynamoDB</a:t>
             </a:r>
-            <a:endParaRPr sz="1800">
+            <a:endParaRPr sz="1800" dirty="0">
               <a:latin typeface="Lato"/>
               <a:ea typeface="Lato"/>
               <a:cs typeface="Lato"/>
@@ -24409,7 +24640,7 @@
               <a:buChar char="●"/>
             </a:pPr>
             <a:r>
-              <a:rPr lang="en-US" sz="1800">
+              <a:rPr lang="en-US" sz="1800" dirty="0">
                 <a:latin typeface="Lato"/>
                 <a:ea typeface="Lato"/>
                 <a:cs typeface="Lato"/>
@@ -24417,7 +24648,7 @@
               </a:rPr>
               <a:t>Google Cloud Platform </a:t>
             </a:r>
-            <a:endParaRPr sz="1800">
+            <a:endParaRPr sz="1800" dirty="0">
               <a:latin typeface="Lato"/>
               <a:ea typeface="Lato"/>
               <a:cs typeface="Lato"/>
@@ -24440,7 +24671,7 @@
               <a:buChar char="○"/>
             </a:pPr>
             <a:r>
-              <a:rPr lang="en-US" sz="1800">
+              <a:rPr lang="en-US" sz="1800" dirty="0">
                 <a:latin typeface="Lato"/>
                 <a:ea typeface="Lato"/>
                 <a:cs typeface="Lato"/>
@@ -24448,7 +24679,7 @@
               </a:rPr>
               <a:t>Cloud Datastore </a:t>
             </a:r>
-            <a:endParaRPr sz="1800">
+            <a:endParaRPr sz="1800" dirty="0">
               <a:latin typeface="Lato"/>
               <a:ea typeface="Lato"/>
               <a:cs typeface="Lato"/>
@@ -24471,7 +24702,7 @@
               <a:buChar char="○"/>
             </a:pPr>
             <a:r>
-              <a:rPr lang="en-US" sz="1800">
+              <a:rPr lang="en-US" sz="1800" dirty="0">
                 <a:latin typeface="Lato"/>
                 <a:ea typeface="Lato"/>
                 <a:cs typeface="Lato"/>
@@ -24479,7 +24710,7 @@
               </a:rPr>
               <a:t>Cloud Bigtable</a:t>
             </a:r>
-            <a:endParaRPr sz="1800">
+            <a:endParaRPr sz="1800" dirty="0">
               <a:latin typeface="Lato"/>
               <a:ea typeface="Lato"/>
               <a:cs typeface="Lato"/>
@@ -24490,30 +24721,32 @@
       </p:sp>
       <p:pic>
         <p:nvPicPr>
-          <p:cNvPr id="254" name="Google Shape;254;p37"/>
-          <p:cNvPicPr preferRelativeResize="0"/>
+          <p:cNvPr id="2" name="Picture 1">
+            <a:extLst>
+              <a:ext uri="{FF2B5EF4-FFF2-40B4-BE49-F238E27FC236}">
+                <a16:creationId xmlns:a16="http://schemas.microsoft.com/office/drawing/2014/main" id="{1DA99889-3E80-4FD8-91A4-CB2EB07A095F}"/>
+              </a:ext>
+            </a:extLst>
+          </p:cNvPr>
+          <p:cNvPicPr>
+            <a:picLocks noChangeAspect="1"/>
+          </p:cNvPicPr>
           <p:nvPr/>
         </p:nvPicPr>
         <p:blipFill>
-          <a:blip r:embed="rId3">
-            <a:alphaModFix/>
-          </a:blip>
+          <a:blip r:embed="rId3"/>
           <a:stretch>
             <a:fillRect/>
           </a:stretch>
         </p:blipFill>
         <p:spPr>
           <a:xfrm>
-            <a:off x="4639150" y="2905597"/>
-            <a:ext cx="7324249" cy="3415928"/>
+            <a:off x="5617555" y="3089078"/>
+            <a:ext cx="5743575" cy="3429000"/>
           </a:xfrm>
           <a:prstGeom prst="rect">
             <a:avLst/>
           </a:prstGeom>
-          <a:noFill/>
-          <a:ln>
-            <a:noFill/>
-          </a:ln>
         </p:spPr>
       </p:pic>
     </p:spTree>
@@ -24893,7 +25126,7 @@
               <a:buNone/>
             </a:pPr>
             <a:r>
-              <a:rPr lang="en-US" sz="1800" b="1">
+              <a:rPr lang="en-US" sz="1800" b="1" dirty="0">
                 <a:latin typeface="Lato"/>
                 <a:ea typeface="Lato"/>
                 <a:cs typeface="Lato"/>
@@ -24902,7 +25135,7 @@
               <a:t>Key-value Stores</a:t>
             </a:r>
             <a:r>
-              <a:rPr lang="en-US" sz="1800">
+              <a:rPr lang="en-US" sz="1800" dirty="0">
                 <a:latin typeface="Lato"/>
                 <a:ea typeface="Lato"/>
                 <a:cs typeface="Lato"/>
@@ -24910,7 +25143,7 @@
               </a:rPr>
               <a:t> are the simplest NoSQL databases. Every item in the database is stored as an attribute name (or 'key'), together with its value. Some key-value stores allow each value to have a type, such as 'integer', which adds functionality.</a:t>
             </a:r>
-            <a:endParaRPr sz="1800">
+            <a:endParaRPr sz="1800" dirty="0">
               <a:latin typeface="Lato"/>
               <a:ea typeface="Lato"/>
               <a:cs typeface="Lato"/>
@@ -24932,7 +25165,7 @@
               <a:buFont typeface="Arial"/>
               <a:buNone/>
             </a:pPr>
-            <a:endParaRPr sz="1800">
+            <a:endParaRPr sz="1800" dirty="0">
               <a:latin typeface="Lato"/>
               <a:ea typeface="Lato"/>
               <a:cs typeface="Lato"/>
@@ -24955,7 +25188,7 @@
               <a:buNone/>
             </a:pPr>
             <a:r>
-              <a:rPr lang="en-US" sz="1800" b="1">
+              <a:rPr lang="en-US" sz="1800" b="1" dirty="0">
                 <a:latin typeface="Lato"/>
                 <a:ea typeface="Lato"/>
                 <a:cs typeface="Lato"/>
@@ -24964,7 +25197,7 @@
               <a:t>Wide-column Stores</a:t>
             </a:r>
             <a:r>
-              <a:rPr lang="en-US" sz="1800">
+              <a:rPr lang="en-US" sz="1800" dirty="0">
                 <a:latin typeface="Lato"/>
                 <a:ea typeface="Lato"/>
                 <a:cs typeface="Lato"/>
@@ -24972,7 +25205,7 @@
               </a:rPr>
               <a:t> are optimized for queries over large datasets, and store columns of data together, instead of rows.</a:t>
             </a:r>
-            <a:endParaRPr sz="1800">
+            <a:endParaRPr sz="1800" dirty="0">
               <a:latin typeface="Lato"/>
               <a:ea typeface="Lato"/>
               <a:cs typeface="Lato"/>
@@ -24989,7 +25222,7 @@
               </a:spcAft>
               <a:buNone/>
             </a:pPr>
-            <a:endParaRPr>
+            <a:endParaRPr dirty="0">
               <a:latin typeface="Lato"/>
               <a:ea typeface="Lato"/>
               <a:cs typeface="Lato"/>
@@ -25274,7 +25507,7 @@
         </p:nvSpPr>
         <p:spPr>
           <a:xfrm>
-            <a:off x="83125" y="1954625"/>
+            <a:off x="154685" y="1891015"/>
             <a:ext cx="5818800" cy="4222500"/>
           </a:xfrm>
           <a:prstGeom prst="rect">
@@ -25303,7 +25536,7 @@
               </a:spcAft>
               <a:buNone/>
             </a:pPr>
-            <a:endParaRPr sz="2200">
+            <a:endParaRPr sz="2200" dirty="0">
               <a:latin typeface="Lato"/>
               <a:ea typeface="Lato"/>
               <a:cs typeface="Lato"/>
@@ -25324,7 +25557,7 @@
               <a:buNone/>
             </a:pPr>
             <a:r>
-              <a:rPr lang="en-US" sz="1800">
+              <a:rPr lang="en-US" sz="1800" dirty="0">
                 <a:latin typeface="Lato"/>
                 <a:ea typeface="Lato"/>
                 <a:cs typeface="Lato"/>
@@ -25332,7 +25565,7 @@
               </a:rPr>
               <a:t>Cloud computing lets companies focus on running their infrastructure instead of housing expensive internal servers and employing a team of System Administrators. </a:t>
             </a:r>
-            <a:endParaRPr sz="1800">
+            <a:endParaRPr sz="1800" dirty="0">
               <a:latin typeface="Lato"/>
               <a:ea typeface="Lato"/>
               <a:cs typeface="Lato"/>
@@ -25352,7 +25585,7 @@
               </a:spcAft>
               <a:buNone/>
             </a:pPr>
-            <a:endParaRPr sz="1800">
+            <a:endParaRPr sz="1800" dirty="0">
               <a:latin typeface="Lato"/>
               <a:ea typeface="Lato"/>
               <a:cs typeface="Lato"/>
@@ -25373,7 +25606,7 @@
               <a:buNone/>
             </a:pPr>
             <a:r>
-              <a:rPr lang="en-US" sz="1800">
+              <a:rPr lang="en-US" sz="1800" dirty="0">
                 <a:latin typeface="Lato"/>
                 <a:ea typeface="Lato"/>
                 <a:cs typeface="Lato"/>
@@ -25381,7 +25614,7 @@
               </a:rPr>
               <a:t>With cloud services, businesses can spool up and manage their own servers on-demand.</a:t>
             </a:r>
-            <a:endParaRPr sz="1800">
+            <a:endParaRPr sz="1800" dirty="0">
               <a:latin typeface="Lato"/>
               <a:ea typeface="Lato"/>
               <a:cs typeface="Lato"/>
@@ -25406,7 +25639,7 @@
               <a:buFont typeface="Arial"/>
               <a:buNone/>
             </a:pPr>
-            <a:endParaRPr sz="1800">
+            <a:endParaRPr sz="1800" dirty="0">
               <a:latin typeface="Lato"/>
               <a:ea typeface="Lato"/>
               <a:cs typeface="Lato"/>
@@ -25424,7 +25657,7 @@
               <a:buNone/>
             </a:pPr>
             <a:r>
-              <a:rPr lang="en-US" sz="1800">
+              <a:rPr lang="en-US" sz="1800" dirty="0">
                 <a:latin typeface="Lato"/>
                 <a:ea typeface="Lato"/>
                 <a:cs typeface="Lato"/>
@@ -25433,7 +25666,7 @@
               <a:t>Cloud services rely on shared resources, which means </a:t>
             </a:r>
             <a:r>
-              <a:rPr lang="en-US" sz="1800" u="sng">
+              <a:rPr lang="en-US" sz="1800" u="sng" dirty="0">
                 <a:latin typeface="Lato"/>
                 <a:ea typeface="Lato"/>
                 <a:cs typeface="Lato"/>
@@ -25442,7 +25675,7 @@
               <a:t>Amazon</a:t>
             </a:r>
             <a:r>
-              <a:rPr lang="en-US" sz="1800">
+              <a:rPr lang="en-US" sz="1800" dirty="0">
                 <a:latin typeface="Lato"/>
                 <a:ea typeface="Lato"/>
                 <a:cs typeface="Lato"/>
@@ -25451,7 +25684,7 @@
               <a:t>, </a:t>
             </a:r>
             <a:r>
-              <a:rPr lang="en-US" sz="1800" u="sng">
+              <a:rPr lang="en-US" sz="1800" u="sng" dirty="0">
                 <a:latin typeface="Lato"/>
                 <a:ea typeface="Lato"/>
                 <a:cs typeface="Lato"/>
@@ -25460,7 +25693,7 @@
               <a:t>Google</a:t>
             </a:r>
             <a:r>
-              <a:rPr lang="en-US" sz="1800">
+              <a:rPr lang="en-US" sz="1800" dirty="0">
                 <a:latin typeface="Lato"/>
                 <a:ea typeface="Lato"/>
                 <a:cs typeface="Lato"/>
@@ -25469,7 +25702,7 @@
               <a:t> and </a:t>
             </a:r>
             <a:r>
-              <a:rPr lang="en-US" sz="1800" u="sng">
+              <a:rPr lang="en-US" sz="1800" u="sng" dirty="0">
                 <a:latin typeface="Lato"/>
                 <a:ea typeface="Lato"/>
                 <a:cs typeface="Lato"/>
@@ -25478,15 +25711,15 @@
               <a:t>Microsoft</a:t>
             </a:r>
             <a:r>
-              <a:rPr lang="en-US" sz="1800">
+              <a:rPr lang="en-US" sz="1800" dirty="0">
                 <a:latin typeface="Lato"/>
                 <a:ea typeface="Lato"/>
                 <a:cs typeface="Lato"/>
                 <a:sym typeface="Lato"/>
               </a:rPr>
-              <a:t> supply servers in different data centers. This greatly lowers overhead in maintaining a system and increases flexibility in scaling system up and down as needed</a:t>
+              <a:t> supply servers in different data centers. This greatly lowers overhead in maintaining a system and increases flexibility in scaling system up and down as needed.</a:t>
             </a:r>
-            <a:endParaRPr sz="1800">
+            <a:endParaRPr sz="1800" dirty="0">
               <a:latin typeface="Lato"/>
               <a:ea typeface="Lato"/>
               <a:cs typeface="Lato"/>
@@ -25506,7 +25739,7 @@
               </a:spcAft>
               <a:buNone/>
             </a:pPr>
-            <a:endParaRPr sz="1800">
+            <a:endParaRPr sz="1800" dirty="0">
               <a:latin typeface="Lato"/>
               <a:ea typeface="Lato"/>
               <a:cs typeface="Lato"/>
@@ -25531,7 +25764,7 @@
         </p:blipFill>
         <p:spPr>
           <a:xfrm>
-            <a:off x="6111000" y="1954625"/>
+            <a:off x="6090745" y="1891325"/>
             <a:ext cx="5662000" cy="4357075"/>
           </a:xfrm>
           <a:prstGeom prst="rect">
@@ -25667,7 +25900,7 @@
               <a:buNone/>
             </a:pPr>
             <a:r>
-              <a:rPr lang="en-US" sz="2400" u="sng">
+              <a:rPr lang="en-US" sz="2400" u="sng" dirty="0">
                 <a:solidFill>
                   <a:schemeClr val="hlink"/>
                 </a:solidFill>
@@ -25680,7 +25913,7 @@
               <a:t>Amazon’s RDS</a:t>
             </a:r>
             <a:r>
-              <a:rPr lang="en-US" sz="2400">
+              <a:rPr lang="en-US" sz="2400" dirty="0">
                 <a:latin typeface="Lato"/>
                 <a:ea typeface="Lato"/>
                 <a:cs typeface="Lato"/>
@@ -25688,7 +25921,7 @@
               </a:rPr>
               <a:t> (Relational Database Service) provides support for major databases including Oracle, PostgreSQL and MySQL. </a:t>
             </a:r>
-            <a:endParaRPr sz="2400">
+            <a:endParaRPr sz="2400" dirty="0">
               <a:latin typeface="Lato"/>
               <a:ea typeface="Lato"/>
               <a:cs typeface="Lato"/>
@@ -25708,7 +25941,7 @@
               </a:spcAft>
               <a:buNone/>
             </a:pPr>
-            <a:endParaRPr sz="2400">
+            <a:endParaRPr sz="2400" dirty="0">
               <a:latin typeface="Lato"/>
               <a:ea typeface="Lato"/>
               <a:cs typeface="Lato"/>
@@ -25729,7 +25962,7 @@
               <a:buNone/>
             </a:pPr>
             <a:r>
-              <a:rPr lang="en-US" sz="2400" u="sng">
+              <a:rPr lang="en-US" sz="2400" u="sng" dirty="0">
                 <a:solidFill>
                   <a:schemeClr val="hlink"/>
                 </a:solidFill>
@@ -25742,7 +25975,7 @@
               <a:t>Azure SQL</a:t>
             </a:r>
             <a:r>
-              <a:rPr lang="en-US" sz="2400">
+              <a:rPr lang="en-US" sz="2400" dirty="0">
                 <a:latin typeface="Lato"/>
                 <a:ea typeface="Lato"/>
                 <a:cs typeface="Lato"/>
@@ -25751,7 +25984,7 @@
               <a:t> &amp; </a:t>
             </a:r>
             <a:r>
-              <a:rPr lang="en-US" sz="2400" u="sng">
+              <a:rPr lang="en-US" sz="2400" u="sng" dirty="0">
                 <a:solidFill>
                   <a:schemeClr val="hlink"/>
                 </a:solidFill>
@@ -25764,15 +25997,15 @@
               <a:t>Cloud SQL </a:t>
             </a:r>
             <a:r>
-              <a:rPr lang="en-US" sz="2400">
+              <a:rPr lang="en-US" sz="2400" dirty="0">
                 <a:latin typeface="Lato"/>
                 <a:ea typeface="Lato"/>
                 <a:cs typeface="Lato"/>
                 <a:sym typeface="Lato"/>
               </a:rPr>
-              <a:t>offers SQL database handling features for Azure and GCP respectively. </a:t>
+              <a:t>offers SQL database handling features for Azure &amp; GCP respectively. </a:t>
             </a:r>
-            <a:endParaRPr sz="2400">
+            <a:endParaRPr sz="2400" dirty="0">
               <a:latin typeface="Lato"/>
               <a:ea typeface="Lato"/>
               <a:cs typeface="Lato"/>
@@ -25792,7 +26025,7 @@
               </a:spcAft>
               <a:buNone/>
             </a:pPr>
-            <a:endParaRPr sz="2400">
+            <a:endParaRPr sz="2400" dirty="0">
               <a:latin typeface="Lato"/>
               <a:ea typeface="Lato"/>
               <a:cs typeface="Lato"/>
@@ -25813,7 +26046,7 @@
               <a:buNone/>
             </a:pPr>
             <a:r>
-              <a:rPr lang="en-US" sz="2400">
+              <a:rPr lang="en-US" sz="2400" dirty="0">
                 <a:latin typeface="Lato"/>
                 <a:ea typeface="Lato"/>
                 <a:cs typeface="Lato"/>
@@ -25822,7 +26055,7 @@
               <a:t>All three offer high-performance NoSQL DB choices such as </a:t>
             </a:r>
             <a:r>
-              <a:rPr lang="en-US" sz="2400" u="sng">
+              <a:rPr lang="en-US" sz="2400" u="sng" dirty="0" err="1">
                 <a:solidFill>
                   <a:schemeClr val="hlink"/>
                 </a:solidFill>
@@ -25832,18 +26065,49 @@
                 <a:sym typeface="Lato"/>
                 <a:hlinkClick r:id="rId6"/>
               </a:rPr>
-              <a:t>DocumentDB </a:t>
+              <a:t>DocumentDB</a:t>
             </a:r>
             <a:r>
-              <a:rPr lang="en-US" sz="2400">
+              <a:rPr lang="en-US" sz="2400" u="sng" dirty="0">
+                <a:solidFill>
+                  <a:schemeClr val="hlink"/>
+                </a:solidFill>
+                <a:latin typeface="Lato"/>
+                <a:ea typeface="Lato"/>
+                <a:cs typeface="Lato"/>
+                <a:sym typeface="Lato"/>
+                <a:hlinkClick r:id="rId6"/>
+              </a:rPr>
+              <a:t> </a:t>
+            </a:r>
+            <a:r>
+              <a:rPr lang="en-US" sz="2400" dirty="0">
                 <a:latin typeface="Lato"/>
                 <a:ea typeface="Lato"/>
                 <a:cs typeface="Lato"/>
                 <a:sym typeface="Lato"/>
               </a:rPr>
-              <a:t>for Azure, Aurora for AWS &amp; Datastore &amp; BigTable for Google Cloud. </a:t>
+              <a:t>for Azure, Aurora for AWS &amp; Datastore &amp; </a:t>
             </a:r>
-            <a:endParaRPr sz="2400">
+            <a:r>
+              <a:rPr lang="en-US" sz="2400" dirty="0" err="1">
+                <a:latin typeface="Lato"/>
+                <a:ea typeface="Lato"/>
+                <a:cs typeface="Lato"/>
+                <a:sym typeface="Lato"/>
+              </a:rPr>
+              <a:t>BigTable</a:t>
+            </a:r>
+            <a:r>
+              <a:rPr lang="en-US" sz="2400" dirty="0">
+                <a:latin typeface="Lato"/>
+                <a:ea typeface="Lato"/>
+                <a:cs typeface="Lato"/>
+                <a:sym typeface="Lato"/>
+              </a:rPr>
+              <a:t> for Google Cloud. </a:t>
+            </a:r>
+            <a:endParaRPr sz="2400" dirty="0">
               <a:latin typeface="Lato"/>
               <a:ea typeface="Lato"/>
               <a:cs typeface="Lato"/>
@@ -25863,7 +26127,7 @@
               </a:spcAft>
               <a:buNone/>
             </a:pPr>
-            <a:endParaRPr sz="2400">
+            <a:endParaRPr sz="2400" dirty="0">
               <a:latin typeface="Lato"/>
               <a:ea typeface="Lato"/>
               <a:cs typeface="Lato"/>
@@ -25883,7 +26147,7 @@
               </a:spcAft>
               <a:buNone/>
             </a:pPr>
-            <a:endParaRPr sz="2400">
+            <a:endParaRPr sz="2400" dirty="0">
               <a:latin typeface="Lato"/>
               <a:ea typeface="Lato"/>
               <a:cs typeface="Lato"/>
@@ -25903,7 +26167,7 @@
               </a:spcAft>
               <a:buNone/>
             </a:pPr>
-            <a:endParaRPr sz="2400">
+            <a:endParaRPr sz="2400" dirty="0">
               <a:latin typeface="Lato"/>
               <a:ea typeface="Lato"/>
               <a:cs typeface="Lato"/>
@@ -25923,7 +26187,7 @@
               </a:spcAft>
               <a:buNone/>
             </a:pPr>
-            <a:endParaRPr sz="2400">
+            <a:endParaRPr sz="2400" dirty="0">
               <a:latin typeface="Lato"/>
               <a:ea typeface="Lato"/>
               <a:cs typeface="Lato"/>
@@ -25943,7 +26207,7 @@
               </a:spcAft>
               <a:buNone/>
             </a:pPr>
-            <a:endParaRPr sz="2400">
+            <a:endParaRPr sz="2400" dirty="0">
               <a:latin typeface="Lato"/>
               <a:ea typeface="Lato"/>
               <a:cs typeface="Lato"/>
@@ -25963,7 +26227,7 @@
               </a:spcAft>
               <a:buNone/>
             </a:pPr>
-            <a:endParaRPr sz="2400">
+            <a:endParaRPr sz="2400" dirty="0">
               <a:latin typeface="Lato"/>
               <a:ea typeface="Lato"/>
               <a:cs typeface="Lato"/>
@@ -25983,7 +26247,7 @@
               </a:spcAft>
               <a:buNone/>
             </a:pPr>
-            <a:endParaRPr sz="2400" b="1">
+            <a:endParaRPr sz="2400" b="1" dirty="0">
               <a:latin typeface="Lato"/>
               <a:ea typeface="Lato"/>
               <a:cs typeface="Lato"/>
@@ -26003,7 +26267,7 @@
               </a:spcAft>
               <a:buNone/>
             </a:pPr>
-            <a:endParaRPr sz="2400">
+            <a:endParaRPr sz="2400" dirty="0">
               <a:latin typeface="Lato"/>
               <a:ea typeface="Lato"/>
               <a:cs typeface="Lato"/>
@@ -26023,7 +26287,7 @@
               </a:spcAft>
               <a:buNone/>
             </a:pPr>
-            <a:endParaRPr sz="2400">
+            <a:endParaRPr sz="2400" dirty="0">
               <a:latin typeface="Lato"/>
               <a:ea typeface="Lato"/>
               <a:cs typeface="Lato"/>
@@ -26043,7 +26307,7 @@
               </a:spcAft>
               <a:buNone/>
             </a:pPr>
-            <a:endParaRPr sz="2400">
+            <a:endParaRPr sz="2400" dirty="0">
               <a:latin typeface="Lato"/>
               <a:ea typeface="Lato"/>
               <a:cs typeface="Lato"/>
@@ -26063,7 +26327,7 @@
               </a:spcAft>
               <a:buNone/>
             </a:pPr>
-            <a:endParaRPr sz="2400">
+            <a:endParaRPr sz="2400" dirty="0">
               <a:latin typeface="Lato"/>
               <a:ea typeface="Lato"/>
               <a:cs typeface="Lato"/>
@@ -26189,7 +26453,7 @@
         </p:nvGraphicFramePr>
         <p:xfrm>
           <a:off x="373713" y="1669175"/>
-          <a:ext cx="3000000" cy="3000000"/>
+          <a:ext cx="11444550" cy="5248100"/>
         </p:xfrm>
         <a:graphic>
           <a:graphicData uri="http://schemas.openxmlformats.org/drawingml/2006/table">
@@ -29228,10 +29492,10 @@
               <a:buNone/>
             </a:pPr>
             <a:r>
-              <a:rPr lang="en-US" sz="3000"/>
+              <a:rPr lang="en-US" sz="3000" dirty="0"/>
               <a:t>Data Storage Terminology </a:t>
             </a:r>
-            <a:endParaRPr sz="3000"/>
+            <a:endParaRPr sz="3000" dirty="0"/>
           </a:p>
           <a:p>
             <a:pPr marL="609600" lvl="0" indent="-304800" algn="l" rtl="0">
@@ -29248,17 +29512,29 @@
               <a:buNone/>
             </a:pPr>
             <a:r>
-              <a:rPr lang="en-US" sz="3000"/>
+              <a:rPr lang="en-US" sz="3000" dirty="0"/>
               <a:t>Data Management vs. Administration (DBA)</a:t>
             </a:r>
-            <a:br>
-              <a:rPr lang="en-US" sz="3000"/>
-            </a:br>
+          </a:p>
+          <a:p>
+            <a:pPr marL="609600" lvl="0" indent="-304800" algn="l" rtl="0">
+              <a:lnSpc>
+                <a:spcPct val="150000"/>
+              </a:lnSpc>
+              <a:spcBef>
+                <a:spcPts val="0"/>
+              </a:spcBef>
+              <a:spcAft>
+                <a:spcPts val="0"/>
+              </a:spcAft>
+              <a:buSzPts val="3000"/>
+              <a:buNone/>
+            </a:pPr>
             <a:r>
-              <a:rPr lang="en-US" sz="3000"/>
+              <a:rPr lang="en-US" sz="3000" dirty="0"/>
               <a:t>Data Governance &amp; Measuring Data Quality</a:t>
             </a:r>
-            <a:endParaRPr sz="3000"/>
+            <a:endParaRPr sz="3000" dirty="0"/>
           </a:p>
           <a:p>
             <a:pPr marL="609600" lvl="0" indent="-304800" algn="l" rtl="0">
@@ -29275,10 +29551,10 @@
               <a:buNone/>
             </a:pPr>
             <a:r>
-              <a:rPr lang="en-US" sz="3000"/>
+              <a:rPr lang="en-US" sz="3000" dirty="0"/>
               <a:t>Data Dictionaries</a:t>
             </a:r>
-            <a:endParaRPr sz="3000"/>
+            <a:endParaRPr sz="3000" dirty="0"/>
           </a:p>
           <a:p>
             <a:pPr marL="609600" lvl="0" indent="-304800" algn="l" rtl="0">
@@ -29286,7 +29562,7 @@
                 <a:spcPct val="150000"/>
               </a:lnSpc>
               <a:spcBef>
-                <a:spcPts val="0"/>
+                <a:spcPts val="1000"/>
               </a:spcBef>
               <a:spcAft>
                 <a:spcPts val="0"/>
@@ -29295,30 +29571,10 @@
               <a:buNone/>
             </a:pPr>
             <a:r>
-              <a:rPr lang="en-US" sz="3000"/>
-              <a:t>ETL &amp; Data Storage: Python &amp; Other Tools </a:t>
-            </a:r>
-            <a:endParaRPr sz="3000"/>
-          </a:p>
-          <a:p>
-            <a:pPr marL="609600" lvl="0" indent="-304800" algn="l" rtl="0">
-              <a:lnSpc>
-                <a:spcPct val="150000"/>
-              </a:lnSpc>
-              <a:spcBef>
-                <a:spcPts val="1000"/>
-              </a:spcBef>
-              <a:spcAft>
-                <a:spcPts val="0"/>
-              </a:spcAft>
-              <a:buSzPts val="3000"/>
-              <a:buNone/>
-            </a:pPr>
-            <a:r>
-              <a:rPr lang="en-US" sz="3000"/>
+              <a:rPr lang="en-US" sz="3000" dirty="0"/>
               <a:t>Data Warehouse vs. Operational/Transactional Data Stores</a:t>
             </a:r>
-            <a:endParaRPr sz="3000"/>
+            <a:endParaRPr sz="3000" dirty="0"/>
           </a:p>
         </p:txBody>
       </p:sp>
@@ -29462,14 +29718,14 @@
               <a:buAutoNum type="arabicPeriod"/>
             </a:pPr>
             <a:r>
-              <a:rPr lang="en-US" sz="2400">
+              <a:rPr lang="en-US" sz="2400" dirty="0">
                 <a:solidFill>
                   <a:srgbClr val="000000"/>
                 </a:solidFill>
               </a:rPr>
               <a:t>Import data into MySQL database (Class 1)</a:t>
             </a:r>
-            <a:endParaRPr sz="2400">
+            <a:endParaRPr sz="2400" dirty="0">
               <a:solidFill>
                 <a:srgbClr val="000000"/>
               </a:solidFill>
@@ -29494,14 +29750,14 @@
               <a:buAutoNum type="arabicPeriod"/>
             </a:pPr>
             <a:r>
-              <a:rPr lang="en-US" sz="2400">
+              <a:rPr lang="en-US" sz="2400" dirty="0">
                 <a:solidFill>
                   <a:srgbClr val="000000"/>
                 </a:solidFill>
               </a:rPr>
               <a:t>Query Data for Data Understanding/Relevant Information (Class 2) </a:t>
             </a:r>
-            <a:endParaRPr sz="2400">
+            <a:endParaRPr sz="2400" dirty="0">
               <a:solidFill>
                 <a:srgbClr val="000000"/>
               </a:solidFill>
@@ -29526,14 +29782,14 @@
               <a:buAutoNum type="arabicPeriod"/>
             </a:pPr>
             <a:r>
-              <a:rPr lang="en-US" sz="2400">
+              <a:rPr lang="en-US" sz="2400" dirty="0">
                 <a:solidFill>
                   <a:srgbClr val="000000"/>
                 </a:solidFill>
               </a:rPr>
               <a:t>Storing/Joining data for analysis (Class 3-4)</a:t>
             </a:r>
-            <a:endParaRPr sz="2400">
+            <a:endParaRPr sz="2400" dirty="0">
               <a:solidFill>
                 <a:srgbClr val="000000"/>
               </a:solidFill>
@@ -29557,14 +29813,14 @@
               <a:buAutoNum type="arabicPeriod"/>
             </a:pPr>
             <a:r>
-              <a:rPr lang="en-US" sz="2400">
+              <a:rPr lang="en-US" sz="2400" dirty="0">
                 <a:solidFill>
                   <a:srgbClr val="000000"/>
                 </a:solidFill>
               </a:rPr>
               <a:t>Cleaning Data (Class 5)</a:t>
             </a:r>
-            <a:endParaRPr sz="2400">
+            <a:endParaRPr sz="2400" dirty="0">
               <a:solidFill>
                 <a:srgbClr val="000000"/>
               </a:solidFill>
@@ -29589,14 +29845,14 @@
               <a:buAutoNum type="arabicPeriod"/>
             </a:pPr>
             <a:r>
-              <a:rPr lang="en-US" sz="2400">
+              <a:rPr lang="en-US" sz="2400" dirty="0">
                 <a:solidFill>
                   <a:srgbClr val="000000"/>
                 </a:solidFill>
               </a:rPr>
               <a:t>Normalize Data &amp; Create Data Model (Class 6)</a:t>
             </a:r>
-            <a:endParaRPr sz="2400">
+            <a:endParaRPr sz="2400" dirty="0">
               <a:solidFill>
                 <a:srgbClr val="000000"/>
               </a:solidFill>
@@ -29621,14 +29877,14 @@
               <a:buAutoNum type="arabicPeriod"/>
             </a:pPr>
             <a:r>
-              <a:rPr lang="en-US" sz="2400">
+              <a:rPr lang="en-US" sz="2400" dirty="0">
                 <a:solidFill>
                   <a:srgbClr val="000000"/>
                 </a:solidFill>
               </a:rPr>
               <a:t>Analyze Data Quality &amp; Create Data Dictionary (Class 7) </a:t>
             </a:r>
-            <a:endParaRPr sz="2400">
+            <a:endParaRPr sz="2400" dirty="0">
               <a:solidFill>
                 <a:srgbClr val="000000"/>
               </a:solidFill>
@@ -29653,14 +29909,14 @@
               <a:buAutoNum type="arabicPeriod"/>
             </a:pPr>
             <a:r>
-              <a:rPr lang="en-US" sz="2400">
+              <a:rPr lang="en-US" sz="2400" dirty="0">
                 <a:solidFill>
                   <a:srgbClr val="6AA84F"/>
                 </a:solidFill>
               </a:rPr>
               <a:t>Connect Data to PowerBI Desktop/Cloud, Answer Business Questions Automate data workflow using ETL (Python - Optional) (Class 8) </a:t>
             </a:r>
-            <a:endParaRPr sz="2400">
+            <a:endParaRPr sz="2400" dirty="0">
               <a:solidFill>
                 <a:srgbClr val="6AA84F"/>
               </a:solidFill>
@@ -29801,10 +30057,10 @@
               <a:buNone/>
             </a:pPr>
             <a:r>
-              <a:rPr lang="en-US" sz="3000"/>
+              <a:rPr lang="en-US" sz="3000" dirty="0"/>
               <a:t>ETL &amp; Workflow Tools: Talend, Python, Dataiku</a:t>
             </a:r>
-            <a:endParaRPr sz="3000"/>
+            <a:endParaRPr sz="3000" dirty="0"/>
           </a:p>
           <a:p>
             <a:pPr marL="609600" lvl="0" indent="-304800" algn="l" rtl="0">
@@ -29821,10 +30077,10 @@
               <a:buNone/>
             </a:pPr>
             <a:r>
-              <a:rPr lang="en-US" sz="3000"/>
+              <a:rPr lang="en-US" sz="3000" dirty="0"/>
               <a:t>Cloud Storage: Google Cloud, AWS, Microsoft  </a:t>
             </a:r>
-            <a:endParaRPr sz="3000"/>
+            <a:endParaRPr sz="3000" dirty="0"/>
           </a:p>
           <a:p>
             <a:pPr marL="609600" lvl="0" indent="-304800" algn="l" rtl="0">
@@ -29841,10 +30097,14 @@
               <a:buNone/>
             </a:pPr>
             <a:r>
-              <a:rPr lang="en-US" sz="3000"/>
-              <a:t>NoSql Introduction</a:t>
+              <a:rPr lang="en-US" sz="3000" dirty="0" err="1"/>
+              <a:t>NoSql</a:t>
             </a:r>
-            <a:endParaRPr sz="3000"/>
+            <a:r>
+              <a:rPr lang="en-US" sz="3000" dirty="0"/>
+              <a:t> Introduction</a:t>
+            </a:r>
+            <a:endParaRPr sz="3000" dirty="0"/>
           </a:p>
           <a:p>
             <a:pPr marL="609600" lvl="0" indent="-304800" algn="l" rtl="0">
@@ -29861,10 +30121,10 @@
               <a:buNone/>
             </a:pPr>
             <a:r>
-              <a:rPr lang="en-US" sz="3000"/>
+              <a:rPr lang="en-US" sz="3000" dirty="0"/>
               <a:t>Finish Class Project - PowerBI</a:t>
             </a:r>
-            <a:endParaRPr sz="3000"/>
+            <a:endParaRPr sz="3000" dirty="0"/>
           </a:p>
         </p:txBody>
       </p:sp>
@@ -30004,10 +30264,10 @@
               <a:buNone/>
             </a:pPr>
             <a:r>
-              <a:rPr lang="en-US" sz="2400"/>
+              <a:rPr lang="en-US" sz="2400" dirty="0"/>
               <a:t>It is important to…</a:t>
             </a:r>
-            <a:endParaRPr sz="2400"/>
+            <a:endParaRPr sz="2400" dirty="0"/>
           </a:p>
           <a:p>
             <a:pPr marL="457200" lvl="0" indent="-381000" algn="l" rtl="0">
@@ -30024,10 +30284,10 @@
               <a:buChar char="●"/>
             </a:pPr>
             <a:r>
-              <a:rPr lang="en-US" sz="2400"/>
-              <a:t>know the tool space for doing particular kind of work (like storing and manipulating data)</a:t>
+              <a:rPr lang="en-US" sz="2400" dirty="0"/>
+              <a:t>know the tool space for doing certain types of work (like storing and manipulating data)</a:t>
             </a:r>
-            <a:endParaRPr sz="2400"/>
+            <a:endParaRPr sz="2400" dirty="0"/>
           </a:p>
           <a:p>
             <a:pPr marL="914400" lvl="1" indent="-381000" algn="l" rtl="0">
@@ -30044,10 +30304,10 @@
               <a:buChar char="○"/>
             </a:pPr>
             <a:r>
-              <a:rPr lang="en-US" sz="2400"/>
+              <a:rPr lang="en-US" sz="2400" dirty="0"/>
               <a:t>What are the latest tools?</a:t>
             </a:r>
-            <a:endParaRPr sz="2400"/>
+            <a:endParaRPr sz="2400" dirty="0"/>
           </a:p>
           <a:p>
             <a:pPr marL="914400" lvl="1" indent="-381000" algn="l" rtl="0">
@@ -30064,10 +30324,10 @@
               <a:buChar char="○"/>
             </a:pPr>
             <a:r>
-              <a:rPr lang="en-US" sz="2400"/>
+              <a:rPr lang="en-US" sz="2400" dirty="0"/>
               <a:t>What are the most popular tools among individuals/companies?</a:t>
             </a:r>
-            <a:endParaRPr sz="2400"/>
+            <a:endParaRPr sz="2400" dirty="0"/>
           </a:p>
           <a:p>
             <a:pPr marL="457200" lvl="0" indent="-381000" algn="l" rtl="0">
@@ -30084,10 +30344,10 @@
               <a:buChar char="●"/>
             </a:pPr>
             <a:r>
-              <a:rPr lang="en-US" sz="2400"/>
+              <a:rPr lang="en-US" sz="2400" dirty="0"/>
               <a:t>know the degree to which knowing one tool well qualifies you to work with similar tools</a:t>
             </a:r>
-            <a:endParaRPr sz="2400"/>
+            <a:endParaRPr sz="2400" dirty="0"/>
           </a:p>
           <a:p>
             <a:pPr marL="457200" lvl="0" indent="-381000" algn="l" rtl="0">
@@ -30104,10 +30364,10 @@
               <a:buChar char="●"/>
             </a:pPr>
             <a:r>
-              <a:rPr lang="en-US" sz="2400"/>
+              <a:rPr lang="en-US" sz="2400" dirty="0"/>
               <a:t>be comfortable finding and reading documentation</a:t>
             </a:r>
-            <a:endParaRPr sz="2400"/>
+            <a:endParaRPr sz="2400" dirty="0"/>
           </a:p>
         </p:txBody>
       </p:sp>
@@ -30547,10 +30807,10 @@
               <a:buNone/>
             </a:pPr>
             <a:r>
-              <a:rPr lang="en-US" sz="1800"/>
+              <a:rPr lang="en-US" sz="1800" dirty="0"/>
               <a:t>There are several ETL tools available today. Many are integrated with larger Business Intelligence (BI) or Analytics platforms, while some are open source. Here are some options:</a:t>
             </a:r>
-            <a:endParaRPr sz="1800"/>
+            <a:endParaRPr sz="1800" dirty="0"/>
           </a:p>
           <a:p>
             <a:pPr marL="0" lvl="0" indent="0" algn="l" rtl="0">
@@ -30562,7 +30822,7 @@
               </a:spcAft>
               <a:buNone/>
             </a:pPr>
-            <a:endParaRPr sz="1800"/>
+            <a:endParaRPr sz="1800" dirty="0"/>
           </a:p>
           <a:p>
             <a:pPr marL="457200" lvl="0" indent="-342900" algn="l" rtl="0">
@@ -30576,10 +30836,10 @@
               <a:buChar char="●"/>
             </a:pPr>
             <a:r>
-              <a:rPr lang="en-US" sz="1800"/>
+              <a:rPr lang="en-US" sz="1800" dirty="0"/>
               <a:t>Oracle Warehouse Builder (OWB)</a:t>
             </a:r>
-            <a:endParaRPr sz="1800"/>
+            <a:endParaRPr sz="1800" dirty="0"/>
           </a:p>
           <a:p>
             <a:pPr marL="457200" lvl="0" indent="-342900" algn="l" rtl="0">
@@ -30593,10 +30853,10 @@
               <a:buChar char="●"/>
             </a:pPr>
             <a:r>
-              <a:rPr lang="en-US" sz="1800"/>
+              <a:rPr lang="en-US" sz="1800" dirty="0"/>
               <a:t>SAP Data Services</a:t>
             </a:r>
-            <a:endParaRPr sz="1800"/>
+            <a:endParaRPr sz="1800" dirty="0"/>
           </a:p>
           <a:p>
             <a:pPr marL="457200" lvl="0" indent="-342900" algn="l" rtl="0">
@@ -30610,10 +30870,10 @@
               <a:buChar char="●"/>
             </a:pPr>
             <a:r>
-              <a:rPr lang="en-US" sz="1800"/>
+              <a:rPr lang="en-US" sz="1800" dirty="0"/>
               <a:t>SAS Data Management</a:t>
             </a:r>
-            <a:endParaRPr sz="1800"/>
+            <a:endParaRPr sz="1800" dirty="0"/>
           </a:p>
           <a:p>
             <a:pPr marL="457200" lvl="0" indent="-342900" algn="l" rtl="0">
@@ -30627,10 +30887,10 @@
               <a:buChar char="●"/>
             </a:pPr>
             <a:r>
-              <a:rPr lang="en-US" sz="1800"/>
+              <a:rPr lang="en-US" sz="1800" dirty="0"/>
               <a:t>PowerCenter Informatica</a:t>
             </a:r>
-            <a:endParaRPr sz="1800"/>
+            <a:endParaRPr sz="1800" dirty="0"/>
           </a:p>
           <a:p>
             <a:pPr marL="457200" lvl="0" indent="-342900" algn="l" rtl="0">
@@ -30644,10 +30904,10 @@
               <a:buChar char="●"/>
             </a:pPr>
             <a:r>
-              <a:rPr lang="en-US" sz="1800"/>
+              <a:rPr lang="en-US" sz="1800" dirty="0"/>
               <a:t>SQL Server Integration Services (SSIS)</a:t>
             </a:r>
-            <a:endParaRPr sz="1800"/>
+            <a:endParaRPr sz="1800" dirty="0"/>
           </a:p>
           <a:p>
             <a:pPr marL="457200" lvl="0" indent="-342900" algn="l" rtl="0">
@@ -30661,10 +30921,10 @@
               <a:buChar char="●"/>
             </a:pPr>
             <a:r>
-              <a:rPr lang="en-US" sz="1800"/>
+              <a:rPr lang="en-US" sz="1800" dirty="0"/>
               <a:t>Talend Studio</a:t>
             </a:r>
-            <a:endParaRPr sz="1800"/>
+            <a:endParaRPr sz="1800" dirty="0"/>
           </a:p>
         </p:txBody>
       </p:sp>
@@ -30731,10 +30991,10 @@
               <a:buNone/>
             </a:pPr>
             <a:r>
-              <a:rPr lang="en-US" sz="1800"/>
+              <a:rPr lang="en-US" sz="1800" dirty="0"/>
               <a:t>Additionally, You can create flexible ETL &amp; Data Quality processes using Python, using supporting libraries </a:t>
             </a:r>
-            <a:endParaRPr sz="1800"/>
+            <a:endParaRPr sz="1800" dirty="0"/>
           </a:p>
           <a:p>
             <a:pPr marL="0" lvl="0" indent="0" algn="l" rtl="0">
@@ -30746,7 +31006,7 @@
               </a:spcAft>
               <a:buNone/>
             </a:pPr>
-            <a:endParaRPr sz="1800" b="1"/>
+            <a:endParaRPr sz="1800" b="1" dirty="0"/>
           </a:p>
           <a:p>
             <a:pPr marL="457200" lvl="0" indent="-342900" algn="l" rtl="0">
@@ -30760,15 +31020,15 @@
               <a:buChar char="●"/>
             </a:pPr>
             <a:r>
-              <a:rPr lang="en-US" sz="1800" b="1"/>
+              <a:rPr lang="en-US" sz="1800" b="1" dirty="0"/>
               <a:t>bonobo</a:t>
             </a:r>
             <a:r>
-              <a:rPr lang="en-US" sz="1800"/>
+              <a:rPr lang="en-US" sz="1800" dirty="0"/>
               <a:t>: </a:t>
             </a:r>
             <a:r>
-              <a:rPr lang="en-US" sz="1800" u="sng">
+              <a:rPr lang="en-US" sz="1800" u="sng" dirty="0">
                 <a:solidFill>
                   <a:schemeClr val="hlink"/>
                 </a:solidFill>
@@ -30776,7 +31036,7 @@
               </a:rPr>
               <a:t>https://www.bonobo-project.org/</a:t>
             </a:r>
-            <a:endParaRPr sz="1800"/>
+            <a:endParaRPr sz="1800" dirty="0"/>
           </a:p>
           <a:p>
             <a:pPr marL="457200" lvl="0" indent="-342900" algn="l" rtl="0">
@@ -30790,15 +31050,15 @@
               <a:buChar char="●"/>
             </a:pPr>
             <a:r>
-              <a:rPr lang="en-US" sz="1800" b="1"/>
+              <a:rPr lang="en-US" sz="1800" b="1" dirty="0"/>
               <a:t>Python-ETL</a:t>
             </a:r>
             <a:r>
-              <a:rPr lang="en-US" sz="1800"/>
+              <a:rPr lang="en-US" sz="1800" dirty="0"/>
               <a:t>:</a:t>
             </a:r>
             <a:r>
-              <a:rPr lang="en-US" sz="1800">
+              <a:rPr lang="en-US" sz="1800" dirty="0">
                 <a:uFill>
                   <a:noFill/>
                 </a:uFill>
@@ -30807,7 +31067,7 @@
               <a:t> </a:t>
             </a:r>
             <a:r>
-              <a:rPr lang="en-US" sz="1800" u="sng">
+              <a:rPr lang="en-US" sz="1800" u="sng" dirty="0">
                 <a:solidFill>
                   <a:schemeClr val="accent5"/>
                 </a:solidFill>
@@ -30815,7 +31075,7 @@
               </a:rPr>
               <a:t>https://pypi.org/project/Python-ETL/</a:t>
             </a:r>
-            <a:endParaRPr sz="1800" u="sng">
+            <a:endParaRPr sz="1800" u="sng" dirty="0">
               <a:solidFill>
                 <a:schemeClr val="accent5"/>
               </a:solidFill>
@@ -30834,15 +31094,15 @@
               <a:buChar char="●"/>
             </a:pPr>
             <a:r>
-              <a:rPr lang="en-US" sz="1800" b="1"/>
+              <a:rPr lang="en-US" sz="1800" b="1" dirty="0" err="1"/>
               <a:t>pygrametl</a:t>
             </a:r>
             <a:r>
-              <a:rPr lang="en-US" sz="1800"/>
+              <a:rPr lang="en-US" sz="1800" dirty="0"/>
               <a:t>:</a:t>
             </a:r>
             <a:r>
-              <a:rPr lang="en-US" sz="1800">
+              <a:rPr lang="en-US" sz="1800" dirty="0">
                 <a:uFill>
                   <a:noFill/>
                 </a:uFill>
@@ -30851,7 +31111,7 @@
               <a:t> </a:t>
             </a:r>
             <a:r>
-              <a:rPr lang="en-US" sz="1800" u="sng">
+              <a:rPr lang="en-US" sz="1800" u="sng" dirty="0">
                 <a:solidFill>
                   <a:schemeClr val="accent5"/>
                 </a:solidFill>
@@ -30859,7 +31119,7 @@
               </a:rPr>
               <a:t>http://chrthomsen.github.io/pygrametl/</a:t>
             </a:r>
-            <a:endParaRPr sz="1800"/>
+            <a:endParaRPr sz="1800" dirty="0"/>
           </a:p>
           <a:p>
             <a:pPr marL="0" lvl="0" indent="0" algn="l" rtl="0">
@@ -30872,10 +31132,10 @@
               <a:buNone/>
             </a:pPr>
             <a:r>
-              <a:rPr lang="en-US" sz="1800"/>
+              <a:rPr lang="en-US" sz="1800" dirty="0"/>
               <a:t> </a:t>
             </a:r>
-            <a:endParaRPr sz="1800"/>
+            <a:endParaRPr sz="1800" dirty="0"/>
           </a:p>
         </p:txBody>
       </p:sp>
@@ -31125,10 +31385,26 @@
               <a:buNone/>
             </a:pPr>
             <a:r>
-              <a:rPr lang="en-US" sz="1800"/>
-              <a:t>Talend is becoming one of the leaders in desktop and cloud data integration. It’s an ETL tool that has many options for database, cloud, and Big Data integrations. Talend does offer commercial products, but there is a fully functional, free, open source option. </a:t>
+              <a:rPr lang="en-US" sz="1800" dirty="0"/>
+              <a:t>Talend is becoming one of the leaders in desktop and cloud data integration. It’s an ETL tool that has many options for database, </a:t>
             </a:r>
-            <a:endParaRPr sz="1800"/>
+            <a:r>
+              <a:rPr lang="en-US" sz="1800" u="sng" dirty="0"/>
+              <a:t>cloud</a:t>
+            </a:r>
+            <a:r>
+              <a:rPr lang="en-US" sz="1800" dirty="0"/>
+              <a:t> and Big </a:t>
+            </a:r>
+            <a:r>
+              <a:rPr lang="en-US" sz="1800" u="sng" dirty="0"/>
+              <a:t>Data</a:t>
+            </a:r>
+            <a:r>
+              <a:rPr lang="en-US" sz="1800" dirty="0"/>
+              <a:t> integrations. Talend offers commercial products, but there is a fully functional, free, open source option. </a:t>
+            </a:r>
+            <a:endParaRPr sz="1800" dirty="0"/>
           </a:p>
           <a:p>
             <a:pPr marL="0" lvl="0" indent="0" algn="l" rtl="0">
@@ -31140,7 +31416,7 @@
               </a:spcAft>
               <a:buNone/>
             </a:pPr>
-            <a:endParaRPr sz="1800"/>
+            <a:endParaRPr sz="1800" dirty="0"/>
           </a:p>
           <a:p>
             <a:pPr marL="0" lvl="0" indent="0" algn="l" rtl="0">
@@ -31153,10 +31429,10 @@
               <a:buNone/>
             </a:pPr>
             <a:r>
-              <a:rPr lang="en-US" sz="1800"/>
+              <a:rPr lang="en-US" sz="1800" dirty="0"/>
               <a:t>Some of the advantages of using an ETL tool like Talend are:</a:t>
             </a:r>
-            <a:endParaRPr sz="1800"/>
+            <a:endParaRPr sz="1800" dirty="0"/>
           </a:p>
           <a:p>
             <a:pPr marL="0" lvl="0" indent="0" algn="l" rtl="0">
@@ -31168,7 +31444,7 @@
               </a:spcAft>
               <a:buNone/>
             </a:pPr>
-            <a:endParaRPr sz="1800"/>
+            <a:endParaRPr sz="1800" dirty="0"/>
           </a:p>
           <a:p>
             <a:pPr marL="457200" lvl="0" indent="-342900" algn="l" rtl="0">
@@ -31185,10 +31461,10 @@
               <a:buChar char="●"/>
             </a:pPr>
             <a:r>
-              <a:rPr lang="en-US" sz="1800"/>
+              <a:rPr lang="en-US" sz="1800" dirty="0"/>
               <a:t>It lessens the need for writing procedures and code, since there’s an interactive GUI</a:t>
             </a:r>
-            <a:endParaRPr sz="1800"/>
+            <a:endParaRPr sz="1800" dirty="0"/>
           </a:p>
           <a:p>
             <a:pPr marL="457200" lvl="0" indent="-342900" algn="l" rtl="0">
@@ -31205,10 +31481,10 @@
               <a:buChar char="●"/>
             </a:pPr>
             <a:r>
-              <a:rPr lang="en-US" sz="1800"/>
+              <a:rPr lang="en-US" sz="1800" dirty="0"/>
               <a:t>This provides a visual flow of the ETL process and system logic</a:t>
             </a:r>
-            <a:endParaRPr sz="1800"/>
+            <a:endParaRPr sz="1800" dirty="0"/>
           </a:p>
           <a:p>
             <a:pPr marL="457200" lvl="0" indent="-342900" algn="l" rtl="0">
@@ -31225,10 +31501,10 @@
               <a:buChar char="●"/>
             </a:pPr>
             <a:r>
-              <a:rPr lang="en-US" sz="1800"/>
+              <a:rPr lang="en-US" sz="1800" dirty="0"/>
               <a:t>There are advanced tools built to do routine procedures, like cleaning data, sorting, joining, merging, and other manipulation processes</a:t>
             </a:r>
-            <a:endParaRPr sz="1800"/>
+            <a:endParaRPr sz="1800" dirty="0"/>
           </a:p>
           <a:p>
             <a:pPr marL="457200" lvl="0" indent="-342900" algn="l" rtl="0">
@@ -31245,10 +31521,10 @@
               <a:buChar char="●"/>
             </a:pPr>
             <a:r>
-              <a:rPr lang="en-US" sz="1800"/>
+              <a:rPr lang="en-US" sz="1800" dirty="0"/>
               <a:t>It has many integrations that support systems that are databases, cloud based software, and many file formats.</a:t>
             </a:r>
-            <a:endParaRPr sz="1800"/>
+            <a:endParaRPr sz="1800" dirty="0"/>
           </a:p>
           <a:p>
             <a:pPr marL="0" lvl="0" indent="0" algn="l" rtl="0">
@@ -31260,7 +31536,7 @@
               </a:spcAft>
               <a:buNone/>
             </a:pPr>
-            <a:endParaRPr sz="1800"/>
+            <a:endParaRPr sz="1800" dirty="0"/>
           </a:p>
         </p:txBody>
       </p:sp>
